--- a/ProjectExecution/Sprint002-2020071320200724/ScrumBoard002.pptx
+++ b/ProjectExecution/Sprint002-2020071320200724/ScrumBoard002.pptx
@@ -6328,7 +6328,7 @@
                     <a:lstStyle/>
                     <a:p>
                       <a:pPr fontAlgn="t"/>
-                      <a:endParaRPr lang="en-US" sz="900"/>
+                      <a:endParaRPr lang="en-US" sz="900" dirty="0"/>
                     </a:p>
                   </a:txBody>
                   <a:tcPr marL="63566" marR="63566" marT="63566" marB="63566">
@@ -6865,7 +6865,7 @@
         </p:nvSpPr>
         <p:spPr>
           <a:xfrm>
-            <a:off x="1459959" y="466724"/>
+            <a:off x="4300703" y="482503"/>
             <a:ext cx="574166" cy="430924"/>
           </a:xfrm>
           <a:prstGeom prst="rect">
@@ -6939,7 +6939,7 @@
         </p:nvSpPr>
         <p:spPr>
           <a:xfrm>
-            <a:off x="1459959" y="1014238"/>
+            <a:off x="4300703" y="1028226"/>
             <a:ext cx="574166" cy="430924"/>
           </a:xfrm>
           <a:prstGeom prst="rect">
@@ -7336,20 +7336,12 @@
           <a:p>
             <a:pPr algn="ctr"/>
             <a:r>
-              <a:rPr lang="en-AU" sz="600" b="1" dirty="0">
-                <a:solidFill>
-                  <a:schemeClr val="tx1"/>
-                </a:solidFill>
-              </a:rPr>
-              <a:t>Home </a:t>
-            </a:r>
-            <a:r>
               <a:rPr lang="en-AU" sz="600" b="1" dirty="0" smtClean="0">
                 <a:solidFill>
                   <a:schemeClr val="tx1"/>
                 </a:solidFill>
               </a:rPr>
-              <a:t>Page</a:t>
+              <a:t>Sign Up</a:t>
             </a:r>
             <a:endParaRPr lang="en-US" sz="600" b="1" dirty="0">
               <a:solidFill>

--- a/ProjectExecution/Sprint002-2020071320200724/ScrumBoard002.pptx
+++ b/ProjectExecution/Sprint002-2020071320200724/ScrumBoard002.pptx
@@ -7821,6 +7821,72 @@
           </a:p>
         </p:txBody>
       </p:sp>
+      <p:sp>
+        <p:nvSpPr>
+          <p:cNvPr id="24" name="Rectangle 23"/>
+          <p:cNvSpPr/>
+          <p:nvPr/>
+        </p:nvSpPr>
+        <p:spPr>
+          <a:xfrm>
+            <a:off x="3495970" y="485126"/>
+            <a:ext cx="574166" cy="430924"/>
+          </a:xfrm>
+          <a:prstGeom prst="rect">
+            <a:avLst/>
+          </a:prstGeom>
+          <a:solidFill>
+            <a:schemeClr val="accent3">
+              <a:lumMod val="40000"/>
+              <a:lumOff val="60000"/>
+            </a:schemeClr>
+          </a:solidFill>
+          <a:ln>
+            <a:solidFill>
+              <a:schemeClr val="accent3">
+                <a:lumMod val="40000"/>
+                <a:lumOff val="60000"/>
+              </a:schemeClr>
+            </a:solidFill>
+          </a:ln>
+        </p:spPr>
+        <p:style>
+          <a:lnRef idx="2">
+            <a:schemeClr val="accent1">
+              <a:shade val="50000"/>
+            </a:schemeClr>
+          </a:lnRef>
+          <a:fillRef idx="1">
+            <a:schemeClr val="accent1"/>
+          </a:fillRef>
+          <a:effectRef idx="0">
+            <a:schemeClr val="accent1"/>
+          </a:effectRef>
+          <a:fontRef idx="minor">
+            <a:schemeClr val="lt1"/>
+          </a:fontRef>
+        </p:style>
+        <p:txBody>
+          <a:bodyPr rtlCol="0" anchor="ctr"/>
+          <a:lstStyle/>
+          <a:p>
+            <a:pPr algn="ctr"/>
+            <a:r>
+              <a:rPr lang="en-AU" sz="600" dirty="0">
+                <a:solidFill>
+                  <a:schemeClr val="tx1"/>
+                </a:solidFill>
+              </a:rPr>
+              <a:t>1007 QA Home Page</a:t>
+            </a:r>
+            <a:endParaRPr lang="en-US" sz="600" dirty="0">
+              <a:solidFill>
+                <a:schemeClr val="tx1"/>
+              </a:solidFill>
+            </a:endParaRPr>
+          </a:p>
+        </p:txBody>
+      </p:sp>
     </p:spTree>
   </p:cSld>
   <p:clrMapOvr>
